--- a/ppt 16-9/0381.耶稣真爱你.pptx
+++ b/ppt 16-9/0381.耶稣真爱你.pptx
@@ -129,7 +129,7 @@
           <p:cNvPr id="2" name="标题 1">
             <a:extLst>
               <a:ext uri="{FF2B5EF4-FFF2-40B4-BE49-F238E27FC236}">
-                <a16:creationId xmlns:a16="http://schemas.microsoft.com/office/drawing/2014/main" id="{9E9830FC-0334-59B0-9613-8C3F6E66D8B5}"/>
+                <a16:creationId xmlns:a16="http://schemas.microsoft.com/office/drawing/2014/main" id="{DF293360-9017-1009-D90D-290D61F865A4}"/>
               </a:ext>
             </a:extLst>
           </p:cNvPr>
@@ -166,7 +166,7 @@
           <p:cNvPr id="3" name="副标题 2">
             <a:extLst>
               <a:ext uri="{FF2B5EF4-FFF2-40B4-BE49-F238E27FC236}">
-                <a16:creationId xmlns:a16="http://schemas.microsoft.com/office/drawing/2014/main" id="{F70B2C74-12C6-CE7C-3144-584B919DE3CE}"/>
+                <a16:creationId xmlns:a16="http://schemas.microsoft.com/office/drawing/2014/main" id="{8D4BFB4A-48F5-785F-BDD2-BB8793A0182C}"/>
               </a:ext>
             </a:extLst>
           </p:cNvPr>
@@ -236,7 +236,7 @@
           <p:cNvPr id="4" name="日期占位符 3">
             <a:extLst>
               <a:ext uri="{FF2B5EF4-FFF2-40B4-BE49-F238E27FC236}">
-                <a16:creationId xmlns:a16="http://schemas.microsoft.com/office/drawing/2014/main" id="{9BE0B85B-7687-31F3-878A-F4AB2FCDBB4D}"/>
+                <a16:creationId xmlns:a16="http://schemas.microsoft.com/office/drawing/2014/main" id="{F5056911-E8FD-FA17-896D-F0F5D0F16AE4}"/>
               </a:ext>
             </a:extLst>
           </p:cNvPr>
@@ -252,7 +252,7 @@
           <a:bodyPr/>
           <a:lstStyle/>
           <a:p>
-            <a:fld id="{1622E5D1-9E8E-4032-A759-B480F074DEAA}" type="datetimeFigureOut">
+            <a:fld id="{5480518A-5D7F-4FEF-8B3F-6138CCD26BE1}" type="datetimeFigureOut">
               <a:rPr lang="zh-CN" altLang="en-US" smtClean="0"/>
               <a:t>2024/3/10</a:t>
             </a:fld>
@@ -265,7 +265,7 @@
           <p:cNvPr id="5" name="页脚占位符 4">
             <a:extLst>
               <a:ext uri="{FF2B5EF4-FFF2-40B4-BE49-F238E27FC236}">
-                <a16:creationId xmlns:a16="http://schemas.microsoft.com/office/drawing/2014/main" id="{7998BD6B-8C7B-BC60-38C0-B2BCE6FE16E9}"/>
+                <a16:creationId xmlns:a16="http://schemas.microsoft.com/office/drawing/2014/main" id="{2F9F1302-CF15-E5A8-A0DB-B92A2A44009A}"/>
               </a:ext>
             </a:extLst>
           </p:cNvPr>
@@ -290,7 +290,7 @@
           <p:cNvPr id="6" name="灯片编号占位符 5">
             <a:extLst>
               <a:ext uri="{FF2B5EF4-FFF2-40B4-BE49-F238E27FC236}">
-                <a16:creationId xmlns:a16="http://schemas.microsoft.com/office/drawing/2014/main" id="{D5D1107E-D9FF-073A-3375-B7EC97C1E702}"/>
+                <a16:creationId xmlns:a16="http://schemas.microsoft.com/office/drawing/2014/main" id="{BD1ACF9A-65C1-383B-D67D-CD3E65DA8F41}"/>
               </a:ext>
             </a:extLst>
           </p:cNvPr>
@@ -306,7 +306,7 @@
           <a:bodyPr/>
           <a:lstStyle/>
           <a:p>
-            <a:fld id="{C3AB81F6-78F4-402E-ABB7-349130486B15}" type="slidenum">
+            <a:fld id="{6AB2DE80-B04B-4FFF-B104-113177DF0FAE}" type="slidenum">
               <a:rPr lang="zh-CN" altLang="en-US" smtClean="0"/>
               <a:t>‹#›</a:t>
             </a:fld>
@@ -317,7 +317,7 @@
     </p:spTree>
     <p:extLst>
       <p:ext uri="{BB962C8B-B14F-4D97-AF65-F5344CB8AC3E}">
-        <p14:creationId xmlns:p14="http://schemas.microsoft.com/office/powerpoint/2010/main" val="3120107066"/>
+        <p14:creationId xmlns:p14="http://schemas.microsoft.com/office/powerpoint/2010/main" val="2910674793"/>
       </p:ext>
     </p:extLst>
   </p:cSld>
@@ -349,7 +349,7 @@
           <p:cNvPr id="2" name="标题 1">
             <a:extLst>
               <a:ext uri="{FF2B5EF4-FFF2-40B4-BE49-F238E27FC236}">
-                <a16:creationId xmlns:a16="http://schemas.microsoft.com/office/drawing/2014/main" id="{49E79E3D-C8C6-17C0-FADB-E00A9B2A52C9}"/>
+                <a16:creationId xmlns:a16="http://schemas.microsoft.com/office/drawing/2014/main" id="{01EAEEBE-FAEB-2C5E-5482-819FF6774AD9}"/>
               </a:ext>
             </a:extLst>
           </p:cNvPr>
@@ -377,7 +377,7 @@
           <p:cNvPr id="3" name="竖排文字占位符 2">
             <a:extLst>
               <a:ext uri="{FF2B5EF4-FFF2-40B4-BE49-F238E27FC236}">
-                <a16:creationId xmlns:a16="http://schemas.microsoft.com/office/drawing/2014/main" id="{0C906FA3-0466-40BE-91C3-070192EFBE18}"/>
+                <a16:creationId xmlns:a16="http://schemas.microsoft.com/office/drawing/2014/main" id="{A36E7147-8886-B947-4836-999904D5AE29}"/>
               </a:ext>
             </a:extLst>
           </p:cNvPr>
@@ -434,7 +434,7 @@
           <p:cNvPr id="4" name="日期占位符 3">
             <a:extLst>
               <a:ext uri="{FF2B5EF4-FFF2-40B4-BE49-F238E27FC236}">
-                <a16:creationId xmlns:a16="http://schemas.microsoft.com/office/drawing/2014/main" id="{CE9E1BF1-FFF9-5AED-CB85-2F2A6948266E}"/>
+                <a16:creationId xmlns:a16="http://schemas.microsoft.com/office/drawing/2014/main" id="{5C65F8C6-A632-9913-AFE6-AEC6FB396628}"/>
               </a:ext>
             </a:extLst>
           </p:cNvPr>
@@ -450,7 +450,7 @@
           <a:bodyPr/>
           <a:lstStyle/>
           <a:p>
-            <a:fld id="{1622E5D1-9E8E-4032-A759-B480F074DEAA}" type="datetimeFigureOut">
+            <a:fld id="{5480518A-5D7F-4FEF-8B3F-6138CCD26BE1}" type="datetimeFigureOut">
               <a:rPr lang="zh-CN" altLang="en-US" smtClean="0"/>
               <a:t>2024/3/10</a:t>
             </a:fld>
@@ -463,7 +463,7 @@
           <p:cNvPr id="5" name="页脚占位符 4">
             <a:extLst>
               <a:ext uri="{FF2B5EF4-FFF2-40B4-BE49-F238E27FC236}">
-                <a16:creationId xmlns:a16="http://schemas.microsoft.com/office/drawing/2014/main" id="{E2ABF147-B0AA-458F-2A8A-4970117C3145}"/>
+                <a16:creationId xmlns:a16="http://schemas.microsoft.com/office/drawing/2014/main" id="{80035BF9-8F22-A3D8-E1AA-FB705401BBF4}"/>
               </a:ext>
             </a:extLst>
           </p:cNvPr>
@@ -488,7 +488,7 @@
           <p:cNvPr id="6" name="灯片编号占位符 5">
             <a:extLst>
               <a:ext uri="{FF2B5EF4-FFF2-40B4-BE49-F238E27FC236}">
-                <a16:creationId xmlns:a16="http://schemas.microsoft.com/office/drawing/2014/main" id="{8A91A7FE-D0B9-0C0C-642F-80D9FC37316F}"/>
+                <a16:creationId xmlns:a16="http://schemas.microsoft.com/office/drawing/2014/main" id="{E3757F46-B1CE-BDE0-BC0E-CA3486D3BFE7}"/>
               </a:ext>
             </a:extLst>
           </p:cNvPr>
@@ -504,7 +504,7 @@
           <a:bodyPr/>
           <a:lstStyle/>
           <a:p>
-            <a:fld id="{C3AB81F6-78F4-402E-ABB7-349130486B15}" type="slidenum">
+            <a:fld id="{6AB2DE80-B04B-4FFF-B104-113177DF0FAE}" type="slidenum">
               <a:rPr lang="zh-CN" altLang="en-US" smtClean="0"/>
               <a:t>‹#›</a:t>
             </a:fld>
@@ -515,7 +515,7 @@
     </p:spTree>
     <p:extLst>
       <p:ext uri="{BB962C8B-B14F-4D97-AF65-F5344CB8AC3E}">
-        <p14:creationId xmlns:p14="http://schemas.microsoft.com/office/powerpoint/2010/main" val="1966579960"/>
+        <p14:creationId xmlns:p14="http://schemas.microsoft.com/office/powerpoint/2010/main" val="1811723458"/>
       </p:ext>
     </p:extLst>
   </p:cSld>
@@ -547,7 +547,7 @@
           <p:cNvPr id="2" name="竖排标题 1">
             <a:extLst>
               <a:ext uri="{FF2B5EF4-FFF2-40B4-BE49-F238E27FC236}">
-                <a16:creationId xmlns:a16="http://schemas.microsoft.com/office/drawing/2014/main" id="{DCF9BEC5-308E-949D-AB1D-A73B04027283}"/>
+                <a16:creationId xmlns:a16="http://schemas.microsoft.com/office/drawing/2014/main" id="{24CB79D4-965F-CD6C-1944-5D7412855708}"/>
               </a:ext>
             </a:extLst>
           </p:cNvPr>
@@ -580,7 +580,7 @@
           <p:cNvPr id="3" name="竖排文字占位符 2">
             <a:extLst>
               <a:ext uri="{FF2B5EF4-FFF2-40B4-BE49-F238E27FC236}">
-                <a16:creationId xmlns:a16="http://schemas.microsoft.com/office/drawing/2014/main" id="{F5220E53-86A9-9247-4744-38721A4538D7}"/>
+                <a16:creationId xmlns:a16="http://schemas.microsoft.com/office/drawing/2014/main" id="{0F351C01-C9FF-49A9-AA38-4253CC9DF3FE}"/>
               </a:ext>
             </a:extLst>
           </p:cNvPr>
@@ -642,7 +642,7 @@
           <p:cNvPr id="4" name="日期占位符 3">
             <a:extLst>
               <a:ext uri="{FF2B5EF4-FFF2-40B4-BE49-F238E27FC236}">
-                <a16:creationId xmlns:a16="http://schemas.microsoft.com/office/drawing/2014/main" id="{D21C76DD-B4E9-7783-0154-A0F8C1A4AD02}"/>
+                <a16:creationId xmlns:a16="http://schemas.microsoft.com/office/drawing/2014/main" id="{24B0D4E2-D9AE-A377-439E-7A5353721D85}"/>
               </a:ext>
             </a:extLst>
           </p:cNvPr>
@@ -658,7 +658,7 @@
           <a:bodyPr/>
           <a:lstStyle/>
           <a:p>
-            <a:fld id="{1622E5D1-9E8E-4032-A759-B480F074DEAA}" type="datetimeFigureOut">
+            <a:fld id="{5480518A-5D7F-4FEF-8B3F-6138CCD26BE1}" type="datetimeFigureOut">
               <a:rPr lang="zh-CN" altLang="en-US" smtClean="0"/>
               <a:t>2024/3/10</a:t>
             </a:fld>
@@ -671,7 +671,7 @@
           <p:cNvPr id="5" name="页脚占位符 4">
             <a:extLst>
               <a:ext uri="{FF2B5EF4-FFF2-40B4-BE49-F238E27FC236}">
-                <a16:creationId xmlns:a16="http://schemas.microsoft.com/office/drawing/2014/main" id="{3357EDEC-FF1C-2882-070E-92AEFC90016D}"/>
+                <a16:creationId xmlns:a16="http://schemas.microsoft.com/office/drawing/2014/main" id="{B082107F-E846-772A-AFC7-4902F995FF7A}"/>
               </a:ext>
             </a:extLst>
           </p:cNvPr>
@@ -696,7 +696,7 @@
           <p:cNvPr id="6" name="灯片编号占位符 5">
             <a:extLst>
               <a:ext uri="{FF2B5EF4-FFF2-40B4-BE49-F238E27FC236}">
-                <a16:creationId xmlns:a16="http://schemas.microsoft.com/office/drawing/2014/main" id="{828A4BB8-47E9-DEE4-43F7-31A98F2D128B}"/>
+                <a16:creationId xmlns:a16="http://schemas.microsoft.com/office/drawing/2014/main" id="{22A0AD27-17F5-2D3C-B166-50371DCECDC6}"/>
               </a:ext>
             </a:extLst>
           </p:cNvPr>
@@ -712,7 +712,7 @@
           <a:bodyPr/>
           <a:lstStyle/>
           <a:p>
-            <a:fld id="{C3AB81F6-78F4-402E-ABB7-349130486B15}" type="slidenum">
+            <a:fld id="{6AB2DE80-B04B-4FFF-B104-113177DF0FAE}" type="slidenum">
               <a:rPr lang="zh-CN" altLang="en-US" smtClean="0"/>
               <a:t>‹#›</a:t>
             </a:fld>
@@ -723,7 +723,7 @@
     </p:spTree>
     <p:extLst>
       <p:ext uri="{BB962C8B-B14F-4D97-AF65-F5344CB8AC3E}">
-        <p14:creationId xmlns:p14="http://schemas.microsoft.com/office/powerpoint/2010/main" val="981273085"/>
+        <p14:creationId xmlns:p14="http://schemas.microsoft.com/office/powerpoint/2010/main" val="3432830562"/>
       </p:ext>
     </p:extLst>
   </p:cSld>
@@ -755,7 +755,7 @@
           <p:cNvPr id="2" name="标题 1">
             <a:extLst>
               <a:ext uri="{FF2B5EF4-FFF2-40B4-BE49-F238E27FC236}">
-                <a16:creationId xmlns:a16="http://schemas.microsoft.com/office/drawing/2014/main" id="{E17AD335-AD2E-7A90-680D-9ACB96CC1D1A}"/>
+                <a16:creationId xmlns:a16="http://schemas.microsoft.com/office/drawing/2014/main" id="{ED0E4DBA-1A47-FDF1-7BE9-F42E3223C4F5}"/>
               </a:ext>
             </a:extLst>
           </p:cNvPr>
@@ -783,7 +783,7 @@
           <p:cNvPr id="3" name="内容占位符 2">
             <a:extLst>
               <a:ext uri="{FF2B5EF4-FFF2-40B4-BE49-F238E27FC236}">
-                <a16:creationId xmlns:a16="http://schemas.microsoft.com/office/drawing/2014/main" id="{D29D2C45-D764-E934-BB4A-693FB12D6705}"/>
+                <a16:creationId xmlns:a16="http://schemas.microsoft.com/office/drawing/2014/main" id="{C234417D-864A-2E3A-9839-A1C4431AF8A5}"/>
               </a:ext>
             </a:extLst>
           </p:cNvPr>
@@ -840,7 +840,7 @@
           <p:cNvPr id="4" name="日期占位符 3">
             <a:extLst>
               <a:ext uri="{FF2B5EF4-FFF2-40B4-BE49-F238E27FC236}">
-                <a16:creationId xmlns:a16="http://schemas.microsoft.com/office/drawing/2014/main" id="{5C05DA64-8B99-691C-5CBD-584DA29BBA70}"/>
+                <a16:creationId xmlns:a16="http://schemas.microsoft.com/office/drawing/2014/main" id="{B9FBDB93-D97F-78D5-22CF-937A2A1E84A1}"/>
               </a:ext>
             </a:extLst>
           </p:cNvPr>
@@ -856,7 +856,7 @@
           <a:bodyPr/>
           <a:lstStyle/>
           <a:p>
-            <a:fld id="{1622E5D1-9E8E-4032-A759-B480F074DEAA}" type="datetimeFigureOut">
+            <a:fld id="{5480518A-5D7F-4FEF-8B3F-6138CCD26BE1}" type="datetimeFigureOut">
               <a:rPr lang="zh-CN" altLang="en-US" smtClean="0"/>
               <a:t>2024/3/10</a:t>
             </a:fld>
@@ -869,7 +869,7 @@
           <p:cNvPr id="5" name="页脚占位符 4">
             <a:extLst>
               <a:ext uri="{FF2B5EF4-FFF2-40B4-BE49-F238E27FC236}">
-                <a16:creationId xmlns:a16="http://schemas.microsoft.com/office/drawing/2014/main" id="{2BF97702-3DC5-23BE-98E6-CD6ACC61C259}"/>
+                <a16:creationId xmlns:a16="http://schemas.microsoft.com/office/drawing/2014/main" id="{63D7FA9C-AD21-5579-F03E-CF72623D9CD0}"/>
               </a:ext>
             </a:extLst>
           </p:cNvPr>
@@ -894,7 +894,7 @@
           <p:cNvPr id="6" name="灯片编号占位符 5">
             <a:extLst>
               <a:ext uri="{FF2B5EF4-FFF2-40B4-BE49-F238E27FC236}">
-                <a16:creationId xmlns:a16="http://schemas.microsoft.com/office/drawing/2014/main" id="{4B0E49B7-C7BB-D266-0468-158E617286D2}"/>
+                <a16:creationId xmlns:a16="http://schemas.microsoft.com/office/drawing/2014/main" id="{30A51C39-AB2F-2843-36FC-D1C175A77DFD}"/>
               </a:ext>
             </a:extLst>
           </p:cNvPr>
@@ -910,7 +910,7 @@
           <a:bodyPr/>
           <a:lstStyle/>
           <a:p>
-            <a:fld id="{C3AB81F6-78F4-402E-ABB7-349130486B15}" type="slidenum">
+            <a:fld id="{6AB2DE80-B04B-4FFF-B104-113177DF0FAE}" type="slidenum">
               <a:rPr lang="zh-CN" altLang="en-US" smtClean="0"/>
               <a:t>‹#›</a:t>
             </a:fld>
@@ -921,7 +921,7 @@
     </p:spTree>
     <p:extLst>
       <p:ext uri="{BB962C8B-B14F-4D97-AF65-F5344CB8AC3E}">
-        <p14:creationId xmlns:p14="http://schemas.microsoft.com/office/powerpoint/2010/main" val="759661078"/>
+        <p14:creationId xmlns:p14="http://schemas.microsoft.com/office/powerpoint/2010/main" val="2786286252"/>
       </p:ext>
     </p:extLst>
   </p:cSld>
@@ -953,7 +953,7 @@
           <p:cNvPr id="2" name="标题 1">
             <a:extLst>
               <a:ext uri="{FF2B5EF4-FFF2-40B4-BE49-F238E27FC236}">
-                <a16:creationId xmlns:a16="http://schemas.microsoft.com/office/drawing/2014/main" id="{3AC56040-1542-B531-0D1C-E2816FA3FBC0}"/>
+                <a16:creationId xmlns:a16="http://schemas.microsoft.com/office/drawing/2014/main" id="{9ED86510-FD2F-B0ED-D13C-6C7C4F041CE3}"/>
               </a:ext>
             </a:extLst>
           </p:cNvPr>
@@ -990,7 +990,7 @@
           <p:cNvPr id="3" name="文本占位符 2">
             <a:extLst>
               <a:ext uri="{FF2B5EF4-FFF2-40B4-BE49-F238E27FC236}">
-                <a16:creationId xmlns:a16="http://schemas.microsoft.com/office/drawing/2014/main" id="{5F94423E-7D4D-855E-97B0-3C86F235DB4F}"/>
+                <a16:creationId xmlns:a16="http://schemas.microsoft.com/office/drawing/2014/main" id="{8C006B98-4A4D-32C8-BCC8-4668BAFC83A9}"/>
               </a:ext>
             </a:extLst>
           </p:cNvPr>
@@ -1115,7 +1115,7 @@
           <p:cNvPr id="4" name="日期占位符 3">
             <a:extLst>
               <a:ext uri="{FF2B5EF4-FFF2-40B4-BE49-F238E27FC236}">
-                <a16:creationId xmlns:a16="http://schemas.microsoft.com/office/drawing/2014/main" id="{C42E89E9-7E05-2559-1F9B-5253C2CA14B5}"/>
+                <a16:creationId xmlns:a16="http://schemas.microsoft.com/office/drawing/2014/main" id="{90558592-121A-1C74-1BC4-C6EC03EBE747}"/>
               </a:ext>
             </a:extLst>
           </p:cNvPr>
@@ -1131,7 +1131,7 @@
           <a:bodyPr/>
           <a:lstStyle/>
           <a:p>
-            <a:fld id="{1622E5D1-9E8E-4032-A759-B480F074DEAA}" type="datetimeFigureOut">
+            <a:fld id="{5480518A-5D7F-4FEF-8B3F-6138CCD26BE1}" type="datetimeFigureOut">
               <a:rPr lang="zh-CN" altLang="en-US" smtClean="0"/>
               <a:t>2024/3/10</a:t>
             </a:fld>
@@ -1144,7 +1144,7 @@
           <p:cNvPr id="5" name="页脚占位符 4">
             <a:extLst>
               <a:ext uri="{FF2B5EF4-FFF2-40B4-BE49-F238E27FC236}">
-                <a16:creationId xmlns:a16="http://schemas.microsoft.com/office/drawing/2014/main" id="{968304C8-A19C-2A4A-830A-2C14BE8A9588}"/>
+                <a16:creationId xmlns:a16="http://schemas.microsoft.com/office/drawing/2014/main" id="{72133006-BB98-1D69-BD0A-F9E2985B8794}"/>
               </a:ext>
             </a:extLst>
           </p:cNvPr>
@@ -1169,7 +1169,7 @@
           <p:cNvPr id="6" name="灯片编号占位符 5">
             <a:extLst>
               <a:ext uri="{FF2B5EF4-FFF2-40B4-BE49-F238E27FC236}">
-                <a16:creationId xmlns:a16="http://schemas.microsoft.com/office/drawing/2014/main" id="{6F147E12-DE01-2CE4-53C0-825017EB24C3}"/>
+                <a16:creationId xmlns:a16="http://schemas.microsoft.com/office/drawing/2014/main" id="{891420D9-F5AB-58A5-961D-415C8589E5BD}"/>
               </a:ext>
             </a:extLst>
           </p:cNvPr>
@@ -1185,7 +1185,7 @@
           <a:bodyPr/>
           <a:lstStyle/>
           <a:p>
-            <a:fld id="{C3AB81F6-78F4-402E-ABB7-349130486B15}" type="slidenum">
+            <a:fld id="{6AB2DE80-B04B-4FFF-B104-113177DF0FAE}" type="slidenum">
               <a:rPr lang="zh-CN" altLang="en-US" smtClean="0"/>
               <a:t>‹#›</a:t>
             </a:fld>
@@ -1196,7 +1196,7 @@
     </p:spTree>
     <p:extLst>
       <p:ext uri="{BB962C8B-B14F-4D97-AF65-F5344CB8AC3E}">
-        <p14:creationId xmlns:p14="http://schemas.microsoft.com/office/powerpoint/2010/main" val="3616902827"/>
+        <p14:creationId xmlns:p14="http://schemas.microsoft.com/office/powerpoint/2010/main" val="1425125968"/>
       </p:ext>
     </p:extLst>
   </p:cSld>
@@ -1228,7 +1228,7 @@
           <p:cNvPr id="2" name="标题 1">
             <a:extLst>
               <a:ext uri="{FF2B5EF4-FFF2-40B4-BE49-F238E27FC236}">
-                <a16:creationId xmlns:a16="http://schemas.microsoft.com/office/drawing/2014/main" id="{AFE70AF3-9AF3-70F5-1155-AB02B0D8D0E4}"/>
+                <a16:creationId xmlns:a16="http://schemas.microsoft.com/office/drawing/2014/main" id="{04EF5C1B-4524-F13D-0DE3-E3B9F620E548}"/>
               </a:ext>
             </a:extLst>
           </p:cNvPr>
@@ -1256,7 +1256,7 @@
           <p:cNvPr id="3" name="内容占位符 2">
             <a:extLst>
               <a:ext uri="{FF2B5EF4-FFF2-40B4-BE49-F238E27FC236}">
-                <a16:creationId xmlns:a16="http://schemas.microsoft.com/office/drawing/2014/main" id="{19F65106-E34C-3972-7987-1E8FEFCDB625}"/>
+                <a16:creationId xmlns:a16="http://schemas.microsoft.com/office/drawing/2014/main" id="{ECD17630-F8E3-256D-A3DB-4B6DCE50EC0A}"/>
               </a:ext>
             </a:extLst>
           </p:cNvPr>
@@ -1318,7 +1318,7 @@
           <p:cNvPr id="4" name="内容占位符 3">
             <a:extLst>
               <a:ext uri="{FF2B5EF4-FFF2-40B4-BE49-F238E27FC236}">
-                <a16:creationId xmlns:a16="http://schemas.microsoft.com/office/drawing/2014/main" id="{868053B2-B31D-D67E-C89A-3CB4BD242805}"/>
+                <a16:creationId xmlns:a16="http://schemas.microsoft.com/office/drawing/2014/main" id="{B95285FD-56E4-19B2-9A6A-C2A6D7B57884}"/>
               </a:ext>
             </a:extLst>
           </p:cNvPr>
@@ -1380,7 +1380,7 @@
           <p:cNvPr id="5" name="日期占位符 4">
             <a:extLst>
               <a:ext uri="{FF2B5EF4-FFF2-40B4-BE49-F238E27FC236}">
-                <a16:creationId xmlns:a16="http://schemas.microsoft.com/office/drawing/2014/main" id="{24E68192-6721-0651-8FBA-A846E0E60003}"/>
+                <a16:creationId xmlns:a16="http://schemas.microsoft.com/office/drawing/2014/main" id="{61E18EC9-849D-61CB-F981-D75F6F1075B9}"/>
               </a:ext>
             </a:extLst>
           </p:cNvPr>
@@ -1396,7 +1396,7 @@
           <a:bodyPr/>
           <a:lstStyle/>
           <a:p>
-            <a:fld id="{1622E5D1-9E8E-4032-A759-B480F074DEAA}" type="datetimeFigureOut">
+            <a:fld id="{5480518A-5D7F-4FEF-8B3F-6138CCD26BE1}" type="datetimeFigureOut">
               <a:rPr lang="zh-CN" altLang="en-US" smtClean="0"/>
               <a:t>2024/3/10</a:t>
             </a:fld>
@@ -1409,7 +1409,7 @@
           <p:cNvPr id="6" name="页脚占位符 5">
             <a:extLst>
               <a:ext uri="{FF2B5EF4-FFF2-40B4-BE49-F238E27FC236}">
-                <a16:creationId xmlns:a16="http://schemas.microsoft.com/office/drawing/2014/main" id="{56BF41D8-BBC2-8BBF-D84E-23E28E8FA04E}"/>
+                <a16:creationId xmlns:a16="http://schemas.microsoft.com/office/drawing/2014/main" id="{989D694C-038B-F092-6EB3-9629160FFFDF}"/>
               </a:ext>
             </a:extLst>
           </p:cNvPr>
@@ -1434,7 +1434,7 @@
           <p:cNvPr id="7" name="灯片编号占位符 6">
             <a:extLst>
               <a:ext uri="{FF2B5EF4-FFF2-40B4-BE49-F238E27FC236}">
-                <a16:creationId xmlns:a16="http://schemas.microsoft.com/office/drawing/2014/main" id="{F72067B5-0BC6-A9BF-48F2-346707522903}"/>
+                <a16:creationId xmlns:a16="http://schemas.microsoft.com/office/drawing/2014/main" id="{0945E305-91C0-2F55-637C-7FB1A3302F65}"/>
               </a:ext>
             </a:extLst>
           </p:cNvPr>
@@ -1450,7 +1450,7 @@
           <a:bodyPr/>
           <a:lstStyle/>
           <a:p>
-            <a:fld id="{C3AB81F6-78F4-402E-ABB7-349130486B15}" type="slidenum">
+            <a:fld id="{6AB2DE80-B04B-4FFF-B104-113177DF0FAE}" type="slidenum">
               <a:rPr lang="zh-CN" altLang="en-US" smtClean="0"/>
               <a:t>‹#›</a:t>
             </a:fld>
@@ -1461,7 +1461,7 @@
     </p:spTree>
     <p:extLst>
       <p:ext uri="{BB962C8B-B14F-4D97-AF65-F5344CB8AC3E}">
-        <p14:creationId xmlns:p14="http://schemas.microsoft.com/office/powerpoint/2010/main" val="2199066319"/>
+        <p14:creationId xmlns:p14="http://schemas.microsoft.com/office/powerpoint/2010/main" val="3482218927"/>
       </p:ext>
     </p:extLst>
   </p:cSld>
@@ -1493,7 +1493,7 @@
           <p:cNvPr id="2" name="标题 1">
             <a:extLst>
               <a:ext uri="{FF2B5EF4-FFF2-40B4-BE49-F238E27FC236}">
-                <a16:creationId xmlns:a16="http://schemas.microsoft.com/office/drawing/2014/main" id="{6E1706F8-B710-8B74-DDCE-9F9D6F45C65F}"/>
+                <a16:creationId xmlns:a16="http://schemas.microsoft.com/office/drawing/2014/main" id="{0FE9C31E-9474-93FA-C909-3C7AD552D74D}"/>
               </a:ext>
             </a:extLst>
           </p:cNvPr>
@@ -1526,7 +1526,7 @@
           <p:cNvPr id="3" name="文本占位符 2">
             <a:extLst>
               <a:ext uri="{FF2B5EF4-FFF2-40B4-BE49-F238E27FC236}">
-                <a16:creationId xmlns:a16="http://schemas.microsoft.com/office/drawing/2014/main" id="{66E20FCA-9984-2008-2564-BBCEBE45872C}"/>
+                <a16:creationId xmlns:a16="http://schemas.microsoft.com/office/drawing/2014/main" id="{480BBAD4-AB2F-A81C-E6D7-ED6BAFB1D990}"/>
               </a:ext>
             </a:extLst>
           </p:cNvPr>
@@ -1597,7 +1597,7 @@
           <p:cNvPr id="4" name="内容占位符 3">
             <a:extLst>
               <a:ext uri="{FF2B5EF4-FFF2-40B4-BE49-F238E27FC236}">
-                <a16:creationId xmlns:a16="http://schemas.microsoft.com/office/drawing/2014/main" id="{4496185B-530B-1DE9-9B5E-6DAABB04377A}"/>
+                <a16:creationId xmlns:a16="http://schemas.microsoft.com/office/drawing/2014/main" id="{7E4E891D-C8A0-D440-AF89-0DA1B67245DF}"/>
               </a:ext>
             </a:extLst>
           </p:cNvPr>
@@ -1659,7 +1659,7 @@
           <p:cNvPr id="5" name="文本占位符 4">
             <a:extLst>
               <a:ext uri="{FF2B5EF4-FFF2-40B4-BE49-F238E27FC236}">
-                <a16:creationId xmlns:a16="http://schemas.microsoft.com/office/drawing/2014/main" id="{31220492-30A9-A482-70BB-E745BE0D5244}"/>
+                <a16:creationId xmlns:a16="http://schemas.microsoft.com/office/drawing/2014/main" id="{92C8FFC9-E421-EF5A-0E89-2FB79747FBFB}"/>
               </a:ext>
             </a:extLst>
           </p:cNvPr>
@@ -1730,7 +1730,7 @@
           <p:cNvPr id="6" name="内容占位符 5">
             <a:extLst>
               <a:ext uri="{FF2B5EF4-FFF2-40B4-BE49-F238E27FC236}">
-                <a16:creationId xmlns:a16="http://schemas.microsoft.com/office/drawing/2014/main" id="{60EC99C6-15DF-F083-F89C-FFD9F9761DA8}"/>
+                <a16:creationId xmlns:a16="http://schemas.microsoft.com/office/drawing/2014/main" id="{E6BEF6E1-3DC2-031C-58FB-384A9C2A1D44}"/>
               </a:ext>
             </a:extLst>
           </p:cNvPr>
@@ -1792,7 +1792,7 @@
           <p:cNvPr id="7" name="日期占位符 6">
             <a:extLst>
               <a:ext uri="{FF2B5EF4-FFF2-40B4-BE49-F238E27FC236}">
-                <a16:creationId xmlns:a16="http://schemas.microsoft.com/office/drawing/2014/main" id="{A6F9A180-E4FE-641F-5C2E-4F48563442B7}"/>
+                <a16:creationId xmlns:a16="http://schemas.microsoft.com/office/drawing/2014/main" id="{FF455E83-C3A1-F47F-A6DD-5119462F98D4}"/>
               </a:ext>
             </a:extLst>
           </p:cNvPr>
@@ -1808,7 +1808,7 @@
           <a:bodyPr/>
           <a:lstStyle/>
           <a:p>
-            <a:fld id="{1622E5D1-9E8E-4032-A759-B480F074DEAA}" type="datetimeFigureOut">
+            <a:fld id="{5480518A-5D7F-4FEF-8B3F-6138CCD26BE1}" type="datetimeFigureOut">
               <a:rPr lang="zh-CN" altLang="en-US" smtClean="0"/>
               <a:t>2024/3/10</a:t>
             </a:fld>
@@ -1821,7 +1821,7 @@
           <p:cNvPr id="8" name="页脚占位符 7">
             <a:extLst>
               <a:ext uri="{FF2B5EF4-FFF2-40B4-BE49-F238E27FC236}">
-                <a16:creationId xmlns:a16="http://schemas.microsoft.com/office/drawing/2014/main" id="{8893A7E8-089A-E170-EA49-81DBFFBFB19D}"/>
+                <a16:creationId xmlns:a16="http://schemas.microsoft.com/office/drawing/2014/main" id="{519D6437-51A9-EC3E-B2A3-2E16681F3974}"/>
               </a:ext>
             </a:extLst>
           </p:cNvPr>
@@ -1846,7 +1846,7 @@
           <p:cNvPr id="9" name="灯片编号占位符 8">
             <a:extLst>
               <a:ext uri="{FF2B5EF4-FFF2-40B4-BE49-F238E27FC236}">
-                <a16:creationId xmlns:a16="http://schemas.microsoft.com/office/drawing/2014/main" id="{C84CFD82-174A-177E-5784-1976CEB80CF9}"/>
+                <a16:creationId xmlns:a16="http://schemas.microsoft.com/office/drawing/2014/main" id="{B7C44D5B-74A7-8F92-4CB4-B71526F9A932}"/>
               </a:ext>
             </a:extLst>
           </p:cNvPr>
@@ -1862,7 +1862,7 @@
           <a:bodyPr/>
           <a:lstStyle/>
           <a:p>
-            <a:fld id="{C3AB81F6-78F4-402E-ABB7-349130486B15}" type="slidenum">
+            <a:fld id="{6AB2DE80-B04B-4FFF-B104-113177DF0FAE}" type="slidenum">
               <a:rPr lang="zh-CN" altLang="en-US" smtClean="0"/>
               <a:t>‹#›</a:t>
             </a:fld>
@@ -1873,7 +1873,7 @@
     </p:spTree>
     <p:extLst>
       <p:ext uri="{BB962C8B-B14F-4D97-AF65-F5344CB8AC3E}">
-        <p14:creationId xmlns:p14="http://schemas.microsoft.com/office/powerpoint/2010/main" val="3112167554"/>
+        <p14:creationId xmlns:p14="http://schemas.microsoft.com/office/powerpoint/2010/main" val="1694715930"/>
       </p:ext>
     </p:extLst>
   </p:cSld>
@@ -1905,7 +1905,7 @@
           <p:cNvPr id="2" name="标题 1">
             <a:extLst>
               <a:ext uri="{FF2B5EF4-FFF2-40B4-BE49-F238E27FC236}">
-                <a16:creationId xmlns:a16="http://schemas.microsoft.com/office/drawing/2014/main" id="{ABF0D89E-A389-D584-A2F3-4D976016B771}"/>
+                <a16:creationId xmlns:a16="http://schemas.microsoft.com/office/drawing/2014/main" id="{C338076F-B2BF-B277-B60C-B11EE66D51E7}"/>
               </a:ext>
             </a:extLst>
           </p:cNvPr>
@@ -1933,7 +1933,7 @@
           <p:cNvPr id="3" name="日期占位符 2">
             <a:extLst>
               <a:ext uri="{FF2B5EF4-FFF2-40B4-BE49-F238E27FC236}">
-                <a16:creationId xmlns:a16="http://schemas.microsoft.com/office/drawing/2014/main" id="{011A37CB-FF1B-F299-7356-58DEFA87D7BC}"/>
+                <a16:creationId xmlns:a16="http://schemas.microsoft.com/office/drawing/2014/main" id="{6F52BC4C-205E-22E6-4C8E-889BE1135B9F}"/>
               </a:ext>
             </a:extLst>
           </p:cNvPr>
@@ -1949,7 +1949,7 @@
           <a:bodyPr/>
           <a:lstStyle/>
           <a:p>
-            <a:fld id="{1622E5D1-9E8E-4032-A759-B480F074DEAA}" type="datetimeFigureOut">
+            <a:fld id="{5480518A-5D7F-4FEF-8B3F-6138CCD26BE1}" type="datetimeFigureOut">
               <a:rPr lang="zh-CN" altLang="en-US" smtClean="0"/>
               <a:t>2024/3/10</a:t>
             </a:fld>
@@ -1962,7 +1962,7 @@
           <p:cNvPr id="4" name="页脚占位符 3">
             <a:extLst>
               <a:ext uri="{FF2B5EF4-FFF2-40B4-BE49-F238E27FC236}">
-                <a16:creationId xmlns:a16="http://schemas.microsoft.com/office/drawing/2014/main" id="{EC1F147C-A8D0-3D62-34FB-5DA3E4A90ECB}"/>
+                <a16:creationId xmlns:a16="http://schemas.microsoft.com/office/drawing/2014/main" id="{9A50A5DA-4808-7A77-7AE0-75A935A2599B}"/>
               </a:ext>
             </a:extLst>
           </p:cNvPr>
@@ -1987,7 +1987,7 @@
           <p:cNvPr id="5" name="灯片编号占位符 4">
             <a:extLst>
               <a:ext uri="{FF2B5EF4-FFF2-40B4-BE49-F238E27FC236}">
-                <a16:creationId xmlns:a16="http://schemas.microsoft.com/office/drawing/2014/main" id="{5CDBBD2D-8CC4-B537-BAE1-443FA950399A}"/>
+                <a16:creationId xmlns:a16="http://schemas.microsoft.com/office/drawing/2014/main" id="{0D33877A-B466-3652-D9DB-146B4EA88055}"/>
               </a:ext>
             </a:extLst>
           </p:cNvPr>
@@ -2003,7 +2003,7 @@
           <a:bodyPr/>
           <a:lstStyle/>
           <a:p>
-            <a:fld id="{C3AB81F6-78F4-402E-ABB7-349130486B15}" type="slidenum">
+            <a:fld id="{6AB2DE80-B04B-4FFF-B104-113177DF0FAE}" type="slidenum">
               <a:rPr lang="zh-CN" altLang="en-US" smtClean="0"/>
               <a:t>‹#›</a:t>
             </a:fld>
@@ -2014,7 +2014,7 @@
     </p:spTree>
     <p:extLst>
       <p:ext uri="{BB962C8B-B14F-4D97-AF65-F5344CB8AC3E}">
-        <p14:creationId xmlns:p14="http://schemas.microsoft.com/office/powerpoint/2010/main" val="3041335004"/>
+        <p14:creationId xmlns:p14="http://schemas.microsoft.com/office/powerpoint/2010/main" val="3375146802"/>
       </p:ext>
     </p:extLst>
   </p:cSld>
@@ -2046,7 +2046,7 @@
           <p:cNvPr id="2" name="日期占位符 1">
             <a:extLst>
               <a:ext uri="{FF2B5EF4-FFF2-40B4-BE49-F238E27FC236}">
-                <a16:creationId xmlns:a16="http://schemas.microsoft.com/office/drawing/2014/main" id="{E2233F40-1A34-1EE9-F6AE-DFB62EB6C4A7}"/>
+                <a16:creationId xmlns:a16="http://schemas.microsoft.com/office/drawing/2014/main" id="{7F500D90-C6C9-EBF2-10BA-DF4362A22130}"/>
               </a:ext>
             </a:extLst>
           </p:cNvPr>
@@ -2062,7 +2062,7 @@
           <a:bodyPr/>
           <a:lstStyle/>
           <a:p>
-            <a:fld id="{1622E5D1-9E8E-4032-A759-B480F074DEAA}" type="datetimeFigureOut">
+            <a:fld id="{5480518A-5D7F-4FEF-8B3F-6138CCD26BE1}" type="datetimeFigureOut">
               <a:rPr lang="zh-CN" altLang="en-US" smtClean="0"/>
               <a:t>2024/3/10</a:t>
             </a:fld>
@@ -2075,7 +2075,7 @@
           <p:cNvPr id="3" name="页脚占位符 2">
             <a:extLst>
               <a:ext uri="{FF2B5EF4-FFF2-40B4-BE49-F238E27FC236}">
-                <a16:creationId xmlns:a16="http://schemas.microsoft.com/office/drawing/2014/main" id="{910105F5-F2C3-7861-D9AF-ABDF556A8D80}"/>
+                <a16:creationId xmlns:a16="http://schemas.microsoft.com/office/drawing/2014/main" id="{C49C9834-8EC1-9C64-B439-1B9AEE000479}"/>
               </a:ext>
             </a:extLst>
           </p:cNvPr>
@@ -2100,7 +2100,7 @@
           <p:cNvPr id="4" name="灯片编号占位符 3">
             <a:extLst>
               <a:ext uri="{FF2B5EF4-FFF2-40B4-BE49-F238E27FC236}">
-                <a16:creationId xmlns:a16="http://schemas.microsoft.com/office/drawing/2014/main" id="{1A6FDFE8-E1B1-A1C7-056C-D1E1B240DEF7}"/>
+                <a16:creationId xmlns:a16="http://schemas.microsoft.com/office/drawing/2014/main" id="{6FB730AE-8289-9645-31C8-5D13FBBAB1DC}"/>
               </a:ext>
             </a:extLst>
           </p:cNvPr>
@@ -2116,7 +2116,7 @@
           <a:bodyPr/>
           <a:lstStyle/>
           <a:p>
-            <a:fld id="{C3AB81F6-78F4-402E-ABB7-349130486B15}" type="slidenum">
+            <a:fld id="{6AB2DE80-B04B-4FFF-B104-113177DF0FAE}" type="slidenum">
               <a:rPr lang="zh-CN" altLang="en-US" smtClean="0"/>
               <a:t>‹#›</a:t>
             </a:fld>
@@ -2127,7 +2127,7 @@
     </p:spTree>
     <p:extLst>
       <p:ext uri="{BB962C8B-B14F-4D97-AF65-F5344CB8AC3E}">
-        <p14:creationId xmlns:p14="http://schemas.microsoft.com/office/powerpoint/2010/main" val="1573822937"/>
+        <p14:creationId xmlns:p14="http://schemas.microsoft.com/office/powerpoint/2010/main" val="1349823050"/>
       </p:ext>
     </p:extLst>
   </p:cSld>
@@ -2159,7 +2159,7 @@
           <p:cNvPr id="2" name="标题 1">
             <a:extLst>
               <a:ext uri="{FF2B5EF4-FFF2-40B4-BE49-F238E27FC236}">
-                <a16:creationId xmlns:a16="http://schemas.microsoft.com/office/drawing/2014/main" id="{1B41B971-CA59-2DBF-05FB-C7E85E84144C}"/>
+                <a16:creationId xmlns:a16="http://schemas.microsoft.com/office/drawing/2014/main" id="{7286C24B-CEC9-60E9-C917-73A5F2AF747D}"/>
               </a:ext>
             </a:extLst>
           </p:cNvPr>
@@ -2196,7 +2196,7 @@
           <p:cNvPr id="3" name="内容占位符 2">
             <a:extLst>
               <a:ext uri="{FF2B5EF4-FFF2-40B4-BE49-F238E27FC236}">
-                <a16:creationId xmlns:a16="http://schemas.microsoft.com/office/drawing/2014/main" id="{89EA0D3A-ACE3-C322-6E80-1045DB024739}"/>
+                <a16:creationId xmlns:a16="http://schemas.microsoft.com/office/drawing/2014/main" id="{E899F218-6493-0B10-A1FC-29F51FE60289}"/>
               </a:ext>
             </a:extLst>
           </p:cNvPr>
@@ -2286,7 +2286,7 @@
           <p:cNvPr id="4" name="文本占位符 3">
             <a:extLst>
               <a:ext uri="{FF2B5EF4-FFF2-40B4-BE49-F238E27FC236}">
-                <a16:creationId xmlns:a16="http://schemas.microsoft.com/office/drawing/2014/main" id="{24F7DABE-706A-B57A-7805-21430189E433}"/>
+                <a16:creationId xmlns:a16="http://schemas.microsoft.com/office/drawing/2014/main" id="{C5C4AA65-B1F4-5802-E96E-1963C37CBDFD}"/>
               </a:ext>
             </a:extLst>
           </p:cNvPr>
@@ -2357,7 +2357,7 @@
           <p:cNvPr id="5" name="日期占位符 4">
             <a:extLst>
               <a:ext uri="{FF2B5EF4-FFF2-40B4-BE49-F238E27FC236}">
-                <a16:creationId xmlns:a16="http://schemas.microsoft.com/office/drawing/2014/main" id="{661A2D6C-E998-393A-D450-83D1979B2E39}"/>
+                <a16:creationId xmlns:a16="http://schemas.microsoft.com/office/drawing/2014/main" id="{65E26184-7698-81BD-6FE1-A2D72821E443}"/>
               </a:ext>
             </a:extLst>
           </p:cNvPr>
@@ -2373,7 +2373,7 @@
           <a:bodyPr/>
           <a:lstStyle/>
           <a:p>
-            <a:fld id="{1622E5D1-9E8E-4032-A759-B480F074DEAA}" type="datetimeFigureOut">
+            <a:fld id="{5480518A-5D7F-4FEF-8B3F-6138CCD26BE1}" type="datetimeFigureOut">
               <a:rPr lang="zh-CN" altLang="en-US" smtClean="0"/>
               <a:t>2024/3/10</a:t>
             </a:fld>
@@ -2386,7 +2386,7 @@
           <p:cNvPr id="6" name="页脚占位符 5">
             <a:extLst>
               <a:ext uri="{FF2B5EF4-FFF2-40B4-BE49-F238E27FC236}">
-                <a16:creationId xmlns:a16="http://schemas.microsoft.com/office/drawing/2014/main" id="{AFB7A4B6-1350-3CE3-B08B-1090FEA08D92}"/>
+                <a16:creationId xmlns:a16="http://schemas.microsoft.com/office/drawing/2014/main" id="{42BF00E3-488B-12B9-C056-8F8B20292015}"/>
               </a:ext>
             </a:extLst>
           </p:cNvPr>
@@ -2411,7 +2411,7 @@
           <p:cNvPr id="7" name="灯片编号占位符 6">
             <a:extLst>
               <a:ext uri="{FF2B5EF4-FFF2-40B4-BE49-F238E27FC236}">
-                <a16:creationId xmlns:a16="http://schemas.microsoft.com/office/drawing/2014/main" id="{E6856CA1-156D-8906-B52A-A497A700DBBC}"/>
+                <a16:creationId xmlns:a16="http://schemas.microsoft.com/office/drawing/2014/main" id="{860B0E33-8954-4619-CD73-2CB714E645D0}"/>
               </a:ext>
             </a:extLst>
           </p:cNvPr>
@@ -2427,7 +2427,7 @@
           <a:bodyPr/>
           <a:lstStyle/>
           <a:p>
-            <a:fld id="{C3AB81F6-78F4-402E-ABB7-349130486B15}" type="slidenum">
+            <a:fld id="{6AB2DE80-B04B-4FFF-B104-113177DF0FAE}" type="slidenum">
               <a:rPr lang="zh-CN" altLang="en-US" smtClean="0"/>
               <a:t>‹#›</a:t>
             </a:fld>
@@ -2438,7 +2438,7 @@
     </p:spTree>
     <p:extLst>
       <p:ext uri="{BB962C8B-B14F-4D97-AF65-F5344CB8AC3E}">
-        <p14:creationId xmlns:p14="http://schemas.microsoft.com/office/powerpoint/2010/main" val="1857740559"/>
+        <p14:creationId xmlns:p14="http://schemas.microsoft.com/office/powerpoint/2010/main" val="156448755"/>
       </p:ext>
     </p:extLst>
   </p:cSld>
@@ -2470,7 +2470,7 @@
           <p:cNvPr id="2" name="标题 1">
             <a:extLst>
               <a:ext uri="{FF2B5EF4-FFF2-40B4-BE49-F238E27FC236}">
-                <a16:creationId xmlns:a16="http://schemas.microsoft.com/office/drawing/2014/main" id="{859DC8A1-2643-B6C3-C5FB-8DC13F394987}"/>
+                <a16:creationId xmlns:a16="http://schemas.microsoft.com/office/drawing/2014/main" id="{BB16A056-ED80-59BD-D567-911920FB1637}"/>
               </a:ext>
             </a:extLst>
           </p:cNvPr>
@@ -2507,7 +2507,7 @@
           <p:cNvPr id="3" name="图片占位符 2">
             <a:extLst>
               <a:ext uri="{FF2B5EF4-FFF2-40B4-BE49-F238E27FC236}">
-                <a16:creationId xmlns:a16="http://schemas.microsoft.com/office/drawing/2014/main" id="{32806827-CBA2-7B18-C504-48DD8991516C}"/>
+                <a16:creationId xmlns:a16="http://schemas.microsoft.com/office/drawing/2014/main" id="{0B33E933-5912-86B7-A133-41384A4CA263}"/>
               </a:ext>
             </a:extLst>
           </p:cNvPr>
@@ -2574,7 +2574,7 @@
           <p:cNvPr id="4" name="文本占位符 3">
             <a:extLst>
               <a:ext uri="{FF2B5EF4-FFF2-40B4-BE49-F238E27FC236}">
-                <a16:creationId xmlns:a16="http://schemas.microsoft.com/office/drawing/2014/main" id="{97EB68D9-DD30-09E2-D109-E2BBB9C704D0}"/>
+                <a16:creationId xmlns:a16="http://schemas.microsoft.com/office/drawing/2014/main" id="{90AEC3AC-5E4F-D17D-1925-6E4FC7233AF3}"/>
               </a:ext>
             </a:extLst>
           </p:cNvPr>
@@ -2645,7 +2645,7 @@
           <p:cNvPr id="5" name="日期占位符 4">
             <a:extLst>
               <a:ext uri="{FF2B5EF4-FFF2-40B4-BE49-F238E27FC236}">
-                <a16:creationId xmlns:a16="http://schemas.microsoft.com/office/drawing/2014/main" id="{9D256D9A-1EAA-E9EB-E0ED-CBFC17A7DB01}"/>
+                <a16:creationId xmlns:a16="http://schemas.microsoft.com/office/drawing/2014/main" id="{DB939C2E-4695-AC9B-CDA6-BA9F5EC8416E}"/>
               </a:ext>
             </a:extLst>
           </p:cNvPr>
@@ -2661,7 +2661,7 @@
           <a:bodyPr/>
           <a:lstStyle/>
           <a:p>
-            <a:fld id="{1622E5D1-9E8E-4032-A759-B480F074DEAA}" type="datetimeFigureOut">
+            <a:fld id="{5480518A-5D7F-4FEF-8B3F-6138CCD26BE1}" type="datetimeFigureOut">
               <a:rPr lang="zh-CN" altLang="en-US" smtClean="0"/>
               <a:t>2024/3/10</a:t>
             </a:fld>
@@ -2674,7 +2674,7 @@
           <p:cNvPr id="6" name="页脚占位符 5">
             <a:extLst>
               <a:ext uri="{FF2B5EF4-FFF2-40B4-BE49-F238E27FC236}">
-                <a16:creationId xmlns:a16="http://schemas.microsoft.com/office/drawing/2014/main" id="{C8C150F6-937E-5A0B-9BDD-E1FEB65040AB}"/>
+                <a16:creationId xmlns:a16="http://schemas.microsoft.com/office/drawing/2014/main" id="{20818FA5-844F-33FE-064A-6EB74CE885D6}"/>
               </a:ext>
             </a:extLst>
           </p:cNvPr>
@@ -2699,7 +2699,7 @@
           <p:cNvPr id="7" name="灯片编号占位符 6">
             <a:extLst>
               <a:ext uri="{FF2B5EF4-FFF2-40B4-BE49-F238E27FC236}">
-                <a16:creationId xmlns:a16="http://schemas.microsoft.com/office/drawing/2014/main" id="{33774FF0-15CB-84BD-36E4-83DA3991D84A}"/>
+                <a16:creationId xmlns:a16="http://schemas.microsoft.com/office/drawing/2014/main" id="{511A640D-A324-0E58-9970-5AD85035D320}"/>
               </a:ext>
             </a:extLst>
           </p:cNvPr>
@@ -2715,7 +2715,7 @@
           <a:bodyPr/>
           <a:lstStyle/>
           <a:p>
-            <a:fld id="{C3AB81F6-78F4-402E-ABB7-349130486B15}" type="slidenum">
+            <a:fld id="{6AB2DE80-B04B-4FFF-B104-113177DF0FAE}" type="slidenum">
               <a:rPr lang="zh-CN" altLang="en-US" smtClean="0"/>
               <a:t>‹#›</a:t>
             </a:fld>
@@ -2726,7 +2726,7 @@
     </p:spTree>
     <p:extLst>
       <p:ext uri="{BB962C8B-B14F-4D97-AF65-F5344CB8AC3E}">
-        <p14:creationId xmlns:p14="http://schemas.microsoft.com/office/powerpoint/2010/main" val="2797687691"/>
+        <p14:creationId xmlns:p14="http://schemas.microsoft.com/office/powerpoint/2010/main" val="340622"/>
       </p:ext>
     </p:extLst>
   </p:cSld>
@@ -2763,7 +2763,7 @@
           <p:cNvPr id="2" name="标题占位符 1">
             <a:extLst>
               <a:ext uri="{FF2B5EF4-FFF2-40B4-BE49-F238E27FC236}">
-                <a16:creationId xmlns:a16="http://schemas.microsoft.com/office/drawing/2014/main" id="{69C08075-61AC-ED22-4D0C-CE2E2E1F2F60}"/>
+                <a16:creationId xmlns:a16="http://schemas.microsoft.com/office/drawing/2014/main" id="{06883928-78FF-893C-0B7B-0ECBB442B0F5}"/>
               </a:ext>
             </a:extLst>
           </p:cNvPr>
@@ -2801,7 +2801,7 @@
           <p:cNvPr id="3" name="文本占位符 2">
             <a:extLst>
               <a:ext uri="{FF2B5EF4-FFF2-40B4-BE49-F238E27FC236}">
-                <a16:creationId xmlns:a16="http://schemas.microsoft.com/office/drawing/2014/main" id="{FAD587FA-DCE4-DD85-26D6-F9347CB5D57D}"/>
+                <a16:creationId xmlns:a16="http://schemas.microsoft.com/office/drawing/2014/main" id="{F1245926-386A-F1D9-4821-42068E75F936}"/>
               </a:ext>
             </a:extLst>
           </p:cNvPr>
@@ -2868,7 +2868,7 @@
           <p:cNvPr id="4" name="日期占位符 3">
             <a:extLst>
               <a:ext uri="{FF2B5EF4-FFF2-40B4-BE49-F238E27FC236}">
-                <a16:creationId xmlns:a16="http://schemas.microsoft.com/office/drawing/2014/main" id="{82BC91BF-BA02-49C9-AA72-96F30A9C0AD2}"/>
+                <a16:creationId xmlns:a16="http://schemas.microsoft.com/office/drawing/2014/main" id="{47EC2933-AD4F-A38C-2B21-362BE64A25D8}"/>
               </a:ext>
             </a:extLst>
           </p:cNvPr>
@@ -2902,7 +2902,7 @@
             </a:lvl1pPr>
           </a:lstStyle>
           <a:p>
-            <a:fld id="{1622E5D1-9E8E-4032-A759-B480F074DEAA}" type="datetimeFigureOut">
+            <a:fld id="{5480518A-5D7F-4FEF-8B3F-6138CCD26BE1}" type="datetimeFigureOut">
               <a:rPr lang="zh-CN" altLang="en-US" smtClean="0"/>
               <a:t>2024/3/10</a:t>
             </a:fld>
@@ -2915,7 +2915,7 @@
           <p:cNvPr id="5" name="页脚占位符 4">
             <a:extLst>
               <a:ext uri="{FF2B5EF4-FFF2-40B4-BE49-F238E27FC236}">
-                <a16:creationId xmlns:a16="http://schemas.microsoft.com/office/drawing/2014/main" id="{72D0E511-4E56-43F3-F1F3-317741DF8F54}"/>
+                <a16:creationId xmlns:a16="http://schemas.microsoft.com/office/drawing/2014/main" id="{0E0A6588-15A7-120F-8DE0-D697384E050E}"/>
               </a:ext>
             </a:extLst>
           </p:cNvPr>
@@ -2958,7 +2958,7 @@
           <p:cNvPr id="6" name="灯片编号占位符 5">
             <a:extLst>
               <a:ext uri="{FF2B5EF4-FFF2-40B4-BE49-F238E27FC236}">
-                <a16:creationId xmlns:a16="http://schemas.microsoft.com/office/drawing/2014/main" id="{2645FDDE-18C6-9DEE-B736-6A86E159E8B5}"/>
+                <a16:creationId xmlns:a16="http://schemas.microsoft.com/office/drawing/2014/main" id="{5901CD5F-78F4-4ED6-FB0F-9230839415CF}"/>
               </a:ext>
             </a:extLst>
           </p:cNvPr>
@@ -2992,7 +2992,7 @@
             </a:lvl1pPr>
           </a:lstStyle>
           <a:p>
-            <a:fld id="{C3AB81F6-78F4-402E-ABB7-349130486B15}" type="slidenum">
+            <a:fld id="{6AB2DE80-B04B-4FFF-B104-113177DF0FAE}" type="slidenum">
               <a:rPr lang="zh-CN" altLang="en-US" smtClean="0"/>
               <a:t>‹#›</a:t>
             </a:fld>
@@ -3003,7 +3003,7 @@
     </p:spTree>
     <p:extLst>
       <p:ext uri="{BB962C8B-B14F-4D97-AF65-F5344CB8AC3E}">
-        <p14:creationId xmlns:p14="http://schemas.microsoft.com/office/powerpoint/2010/main" val="2420399380"/>
+        <p14:creationId xmlns:p14="http://schemas.microsoft.com/office/powerpoint/2010/main" val="2639942483"/>
       </p:ext>
     </p:extLst>
   </p:cSld>
